--- a/documents/Presentation.pptx
+++ b/documents/Presentation.pptx
@@ -13,13 +13,16 @@
     <p:sldId id="260" r:id="rId7"/>
     <p:sldId id="261" r:id="rId8"/>
     <p:sldId id="263" r:id="rId9"/>
-    <p:sldId id="262" r:id="rId10"/>
-    <p:sldId id="264" r:id="rId11"/>
+    <p:sldId id="271" r:id="rId10"/>
+    <p:sldId id="272" r:id="rId11"/>
     <p:sldId id="265" r:id="rId12"/>
-    <p:sldId id="266" r:id="rId13"/>
-    <p:sldId id="267" r:id="rId14"/>
-    <p:sldId id="268" r:id="rId15"/>
-    <p:sldId id="269" r:id="rId16"/>
+    <p:sldId id="264" r:id="rId13"/>
+    <p:sldId id="273" r:id="rId14"/>
+    <p:sldId id="262" r:id="rId15"/>
+    <p:sldId id="266" r:id="rId16"/>
+    <p:sldId id="267" r:id="rId17"/>
+    <p:sldId id="268" r:id="rId18"/>
+    <p:sldId id="269" r:id="rId19"/>
   </p:sldIdLst>
   <p:sldSz cx="9144000" cy="6858000" type="screen4x3"/>
   <p:notesSz cx="6858000" cy="9144000"/>
@@ -302,7 +305,7 @@
           <a:p>
             <a:fld id="{059B0A9F-22B1-494E-8BFE-B643E14BAC98}" type="datetimeFigureOut">
               <a:rPr lang="en-CA" smtClean="0"/>
-              <a:t>2017-05-27</a:t>
+              <a:t>2017-05-28</a:t>
             </a:fld>
             <a:endParaRPr lang="en-CA"/>
           </a:p>
@@ -472,7 +475,7 @@
           <a:p>
             <a:fld id="{059B0A9F-22B1-494E-8BFE-B643E14BAC98}" type="datetimeFigureOut">
               <a:rPr lang="en-CA" smtClean="0"/>
-              <a:t>2017-05-27</a:t>
+              <a:t>2017-05-28</a:t>
             </a:fld>
             <a:endParaRPr lang="en-CA"/>
           </a:p>
@@ -652,7 +655,7 @@
           <a:p>
             <a:fld id="{059B0A9F-22B1-494E-8BFE-B643E14BAC98}" type="datetimeFigureOut">
               <a:rPr lang="en-CA" smtClean="0"/>
-              <a:t>2017-05-27</a:t>
+              <a:t>2017-05-28</a:t>
             </a:fld>
             <a:endParaRPr lang="en-CA"/>
           </a:p>
@@ -822,7 +825,7 @@
           <a:p>
             <a:fld id="{059B0A9F-22B1-494E-8BFE-B643E14BAC98}" type="datetimeFigureOut">
               <a:rPr lang="en-CA" smtClean="0"/>
-              <a:t>2017-05-27</a:t>
+              <a:t>2017-05-28</a:t>
             </a:fld>
             <a:endParaRPr lang="en-CA"/>
           </a:p>
@@ -1068,7 +1071,7 @@
           <a:p>
             <a:fld id="{059B0A9F-22B1-494E-8BFE-B643E14BAC98}" type="datetimeFigureOut">
               <a:rPr lang="en-CA" smtClean="0"/>
-              <a:t>2017-05-27</a:t>
+              <a:t>2017-05-28</a:t>
             </a:fld>
             <a:endParaRPr lang="en-CA"/>
           </a:p>
@@ -1356,7 +1359,7 @@
           <a:p>
             <a:fld id="{059B0A9F-22B1-494E-8BFE-B643E14BAC98}" type="datetimeFigureOut">
               <a:rPr lang="en-CA" smtClean="0"/>
-              <a:t>2017-05-27</a:t>
+              <a:t>2017-05-28</a:t>
             </a:fld>
             <a:endParaRPr lang="en-CA"/>
           </a:p>
@@ -1778,7 +1781,7 @@
           <a:p>
             <a:fld id="{059B0A9F-22B1-494E-8BFE-B643E14BAC98}" type="datetimeFigureOut">
               <a:rPr lang="en-CA" smtClean="0"/>
-              <a:t>2017-05-27</a:t>
+              <a:t>2017-05-28</a:t>
             </a:fld>
             <a:endParaRPr lang="en-CA"/>
           </a:p>
@@ -1896,7 +1899,7 @@
           <a:p>
             <a:fld id="{059B0A9F-22B1-494E-8BFE-B643E14BAC98}" type="datetimeFigureOut">
               <a:rPr lang="en-CA" smtClean="0"/>
-              <a:t>2017-05-27</a:t>
+              <a:t>2017-05-28</a:t>
             </a:fld>
             <a:endParaRPr lang="en-CA"/>
           </a:p>
@@ -1991,7 +1994,7 @@
           <a:p>
             <a:fld id="{059B0A9F-22B1-494E-8BFE-B643E14BAC98}" type="datetimeFigureOut">
               <a:rPr lang="en-CA" smtClean="0"/>
-              <a:t>2017-05-27</a:t>
+              <a:t>2017-05-28</a:t>
             </a:fld>
             <a:endParaRPr lang="en-CA"/>
           </a:p>
@@ -2268,7 +2271,7 @@
           <a:p>
             <a:fld id="{059B0A9F-22B1-494E-8BFE-B643E14BAC98}" type="datetimeFigureOut">
               <a:rPr lang="en-CA" smtClean="0"/>
-              <a:t>2017-05-27</a:t>
+              <a:t>2017-05-28</a:t>
             </a:fld>
             <a:endParaRPr lang="en-CA"/>
           </a:p>
@@ -2521,7 +2524,7 @@
           <a:p>
             <a:fld id="{059B0A9F-22B1-494E-8BFE-B643E14BAC98}" type="datetimeFigureOut">
               <a:rPr lang="en-CA" smtClean="0"/>
-              <a:t>2017-05-27</a:t>
+              <a:t>2017-05-28</a:t>
             </a:fld>
             <a:endParaRPr lang="en-CA"/>
           </a:p>
@@ -2734,7 +2737,7 @@
           <a:p>
             <a:fld id="{059B0A9F-22B1-494E-8BFE-B643E14BAC98}" type="datetimeFigureOut">
               <a:rPr lang="en-CA" smtClean="0"/>
-              <a:t>2017-05-27</a:t>
+              <a:t>2017-05-28</a:t>
             </a:fld>
             <a:endParaRPr lang="en-CA"/>
           </a:p>
@@ -3128,7 +3131,18 @@
           <a:p>
             <a:r>
               <a:rPr lang="en-CA" dirty="0" smtClean="0"/>
-              <a:t>Survey Management System</a:t>
+              <a:t>Survey Management </a:t>
+            </a:r>
+            <a:r>
+              <a:rPr lang="en-CA" dirty="0"/>
+              <a:t>System</a:t>
+            </a:r>
+            <a:br>
+              <a:rPr lang="en-CA" dirty="0"/>
+            </a:br>
+            <a:r>
+              <a:rPr lang="en-CA" dirty="0"/>
+              <a:t>http://laurian.ipd9.info/</a:t>
             </a:r>
             <a:endParaRPr lang="en-CA" dirty="0"/>
           </a:p>
@@ -3144,10 +3158,45 @@
             <p:ph type="subTitle" idx="1"/>
           </p:nvPr>
         </p:nvSpPr>
-        <p:spPr/>
-        <p:txBody>
-          <a:bodyPr/>
-          <a:lstStyle/>
+        <p:spPr>
+          <a:xfrm>
+            <a:off x="1371600" y="3886200"/>
+            <a:ext cx="7016824" cy="1752600"/>
+          </a:xfrm>
+        </p:spPr>
+        <p:txBody>
+          <a:bodyPr>
+            <a:normAutofit/>
+          </a:bodyPr>
+          <a:lstStyle/>
+          <a:p>
+            <a:r>
+              <a:rPr lang="en-CA" dirty="0" err="1" smtClean="0"/>
+              <a:t>Laurian</a:t>
+            </a:r>
+            <a:r>
+              <a:rPr lang="en-CA" dirty="0" smtClean="0"/>
+              <a:t> </a:t>
+            </a:r>
+            <a:r>
+              <a:rPr lang="en-CA" dirty="0" err="1" smtClean="0"/>
+              <a:t>Staicu</a:t>
+            </a:r>
+            <a:r>
+              <a:rPr lang="en-CA" dirty="0" smtClean="0"/>
+              <a:t> IPD9</a:t>
+            </a:r>
+          </a:p>
+          <a:p>
+            <a:r>
+              <a:rPr lang="en-CA" u="sng" dirty="0" smtClean="0"/>
+              <a:t>staicu4@gmail.com</a:t>
+            </a:r>
+            <a:endParaRPr lang="en-CA" dirty="0" smtClean="0"/>
+          </a:p>
+          <a:p>
+            <a:endParaRPr lang="en-CA" dirty="0"/>
+          </a:p>
           <a:p>
             <a:endParaRPr lang="en-CA" dirty="0"/>
           </a:p>
@@ -3163,6 +3212,13 @@
   <p:clrMapOvr>
     <a:masterClrMapping/>
   </p:clrMapOvr>
+  <p:timing>
+    <p:tnLst>
+      <p:par>
+        <p:cTn id="1" dur="indefinite" restart="never" nodeType="tmRoot"/>
+      </p:par>
+    </p:tnLst>
+  </p:timing>
 </p:sld>
 </file>
 
@@ -3195,42 +3251,102 @@
         </p:nvSpPr>
         <p:spPr/>
         <p:txBody>
-          <a:bodyPr/>
-          <a:lstStyle/>
-          <a:p>
-            <a:endParaRPr lang="en-CA"/>
-          </a:p>
-        </p:txBody>
-      </p:sp>
-      <p:sp>
-        <p:nvSpPr>
-          <p:cNvPr id="3" name="Content Placeholder 2"/>
-          <p:cNvSpPr>
-            <a:spLocks noGrp="1"/>
-          </p:cNvSpPr>
+          <a:bodyPr>
+            <a:normAutofit fontScale="90000"/>
+          </a:bodyPr>
+          <a:lstStyle/>
+          <a:p>
+            <a:r>
+              <a:rPr lang="en-CA" dirty="0" smtClean="0"/>
+              <a:t>Header with Customer and Survey Info</a:t>
+            </a:r>
+            <a:endParaRPr lang="en-CA" dirty="0"/>
+          </a:p>
+        </p:txBody>
+      </p:sp>
+      <p:pic>
+        <p:nvPicPr>
+          <p:cNvPr id="2050" name="Picture 2"/>
+          <p:cNvPicPr>
+            <a:picLocks noGrp="1" noChangeAspect="1" noChangeArrowheads="1"/>
+          </p:cNvPicPr>
           <p:nvPr>
             <p:ph idx="1"/>
           </p:nvPr>
-        </p:nvSpPr>
-        <p:spPr/>
-        <p:txBody>
-          <a:bodyPr/>
-          <a:lstStyle/>
-          <a:p>
-            <a:endParaRPr lang="en-CA"/>
-          </a:p>
-        </p:txBody>
-      </p:sp>
+        </p:nvPicPr>
+        <p:blipFill>
+          <a:blip r:embed="rId2">
+            <a:extLst>
+              <a:ext uri="{28A0092B-C50C-407E-A947-70E740481C1C}">
+                <a14:useLocalDpi xmlns:a14="http://schemas.microsoft.com/office/drawing/2010/main" val="0"/>
+              </a:ext>
+            </a:extLst>
+          </a:blip>
+          <a:srcRect/>
+          <a:stretch>
+            <a:fillRect/>
+          </a:stretch>
+        </p:blipFill>
+        <p:spPr bwMode="auto">
+          <a:xfrm>
+            <a:off x="2352537" y="1600200"/>
+            <a:ext cx="4438925" cy="4525963"/>
+          </a:xfrm>
+          <a:prstGeom prst="rect">
+            <a:avLst/>
+          </a:prstGeom>
+          <a:noFill/>
+          <a:ln>
+            <a:noFill/>
+          </a:ln>
+          <a:effectLst/>
+          <a:extLst>
+            <a:ext uri="{909E8E84-426E-40DD-AFC4-6F175D3DCCD1}">
+              <a14:hiddenFill xmlns:a14="http://schemas.microsoft.com/office/drawing/2010/main">
+                <a:solidFill>
+                  <a:schemeClr val="accent1"/>
+                </a:solidFill>
+              </a14:hiddenFill>
+            </a:ext>
+            <a:ext uri="{91240B29-F687-4F45-9708-019B960494DF}">
+              <a14:hiddenLine xmlns:a14="http://schemas.microsoft.com/office/drawing/2010/main" w="9525">
+                <a:solidFill>
+                  <a:schemeClr val="tx1"/>
+                </a:solidFill>
+                <a:miter lim="800000"/>
+                <a:headEnd/>
+                <a:tailEnd/>
+              </a14:hiddenLine>
+            </a:ext>
+            <a:ext uri="{AF507438-7753-43E0-B8FC-AC1667EBCBE1}">
+              <a14:hiddenEffects xmlns:a14="http://schemas.microsoft.com/office/drawing/2010/main">
+                <a:effectLst>
+                  <a:outerShdw dist="35921" dir="2700000" algn="ctr" rotWithShape="0">
+                    <a:schemeClr val="bg2"/>
+                  </a:outerShdw>
+                </a:effectLst>
+              </a14:hiddenEffects>
+            </a:ext>
+          </a:extLst>
+        </p:spPr>
+      </p:pic>
     </p:spTree>
     <p:extLst>
       <p:ext uri="{BB962C8B-B14F-4D97-AF65-F5344CB8AC3E}">
-        <p14:creationId xmlns:p14="http://schemas.microsoft.com/office/powerpoint/2010/main" val="3325445095"/>
+        <p14:creationId xmlns:p14="http://schemas.microsoft.com/office/powerpoint/2010/main" val="2497010189"/>
       </p:ext>
     </p:extLst>
   </p:cSld>
   <p:clrMapOvr>
     <a:masterClrMapping/>
   </p:clrMapOvr>
+  <p:timing>
+    <p:tnLst>
+      <p:par>
+        <p:cTn id="1" dur="indefinite" restart="never" nodeType="tmRoot"/>
+      </p:par>
+    </p:tnLst>
+  </p:timing>
 </p:sld>
 </file>
 
@@ -3266,7 +3382,15 @@
           <a:bodyPr/>
           <a:lstStyle/>
           <a:p>
-            <a:endParaRPr lang="en-CA"/>
+            <a:r>
+              <a:rPr lang="en-CA" dirty="0"/>
+              <a:t>What I</a:t>
+            </a:r>
+            <a:r>
+              <a:rPr lang="en-CA" dirty="0" smtClean="0"/>
+              <a:t> learned:</a:t>
+            </a:r>
+            <a:endParaRPr lang="en-CA" dirty="0"/>
           </a:p>
         </p:txBody>
       </p:sp>
@@ -3282,31 +3406,55 @@
         </p:nvSpPr>
         <p:spPr/>
         <p:txBody>
-          <a:bodyPr/>
-          <a:lstStyle/>
-          <a:p>
-            <a:r>
-              <a:rPr lang="en-CA" dirty="0" smtClean="0"/>
-              <a:t>2-4 slides: What we learned - teach it!</a:t>
-            </a:r>
-          </a:p>
-          <a:p>
-            <a:r>
-              <a:rPr lang="en-CA" dirty="0" smtClean="0"/>
-              <a:t>- talk about specific, low-level solutions</a:t>
-            </a:r>
-          </a:p>
-          <a:p>
-            <a:r>
-              <a:rPr lang="en-CA" dirty="0" smtClean="0"/>
-              <a:t>and teach them to the students and teacher</a:t>
-            </a:r>
-          </a:p>
-          <a:p>
-            <a:r>
-              <a:rPr lang="en-CA" dirty="0" smtClean="0"/>
-              <a:t>= Teach me how to solve ONE problem.</a:t>
-            </a:r>
+          <a:bodyPr>
+            <a:normAutofit/>
+          </a:bodyPr>
+          <a:lstStyle/>
+          <a:p>
+            <a:r>
+              <a:rPr lang="en-CA" dirty="0"/>
+              <a:t>Multidimensional Arrays PHP</a:t>
+            </a:r>
+          </a:p>
+          <a:p>
+            <a:r>
+              <a:rPr lang="en-CA" dirty="0" err="1"/>
+              <a:t>Superglobal</a:t>
+            </a:r>
+            <a:r>
+              <a:rPr lang="en-CA" dirty="0"/>
+              <a:t> </a:t>
+            </a:r>
+            <a:r>
+              <a:rPr lang="en-CA" dirty="0" smtClean="0"/>
+              <a:t>in </a:t>
+            </a:r>
+            <a:r>
+              <a:rPr lang="en-CA" dirty="0" err="1"/>
+              <a:t>Php</a:t>
+            </a:r>
+            <a:r>
+              <a:rPr lang="en-CA" dirty="0"/>
+              <a:t> </a:t>
+            </a:r>
+            <a:r>
+              <a:rPr lang="en-CA" dirty="0" smtClean="0"/>
+              <a:t>– Session</a:t>
+            </a:r>
+          </a:p>
+          <a:p>
+            <a:r>
+              <a:rPr lang="en-CA" dirty="0" smtClean="0"/>
+              <a:t>Complex Database queries on 5 tables connected in pentagon shape</a:t>
+            </a:r>
+          </a:p>
+          <a:p>
+            <a:r>
+              <a:rPr lang="en-CA" dirty="0" smtClean="0"/>
+              <a:t>Twig Programming</a:t>
+            </a:r>
+          </a:p>
+          <a:p>
             <a:endParaRPr lang="en-CA" dirty="0"/>
           </a:p>
         </p:txBody>
@@ -3321,6 +3469,13 @@
   <p:clrMapOvr>
     <a:masterClrMapping/>
   </p:clrMapOvr>
+  <p:timing>
+    <p:tnLst>
+      <p:par>
+        <p:cTn id="1" dur="indefinite" restart="never" nodeType="tmRoot"/>
+      </p:par>
+    </p:tnLst>
+  </p:timing>
 </p:sld>
 </file>
 
@@ -3353,10 +3508,20 @@
         </p:nvSpPr>
         <p:spPr/>
         <p:txBody>
-          <a:bodyPr/>
-          <a:lstStyle/>
-          <a:p>
-            <a:endParaRPr lang="en-CA"/>
+          <a:bodyPr>
+            <a:normAutofit fontScale="90000"/>
+          </a:bodyPr>
+          <a:lstStyle/>
+          <a:p>
+            <a:r>
+              <a:rPr lang="en-CA" dirty="0" smtClean="0"/>
+              <a:t>Combine Array on same index - </a:t>
+            </a:r>
+            <a:r>
+              <a:rPr lang="en-CA" dirty="0" err="1" smtClean="0"/>
+              <a:t>Php</a:t>
+            </a:r>
+            <a:endParaRPr lang="en-CA" dirty="0"/>
           </a:p>
         </p:txBody>
       </p:sp>
@@ -3372,23 +3537,89 @@
         </p:nvSpPr>
         <p:spPr/>
         <p:txBody>
-          <a:bodyPr/>
-          <a:lstStyle/>
-          <a:p>
-            <a:endParaRPr lang="en-CA"/>
+          <a:bodyPr>
+            <a:normAutofit/>
+          </a:bodyPr>
+          <a:lstStyle/>
+          <a:p>
+            <a:r>
+              <a:rPr lang="en-CA" dirty="0"/>
+              <a:t> $allResponses4 = array();</a:t>
+            </a:r>
+          </a:p>
+          <a:p>
+            <a:r>
+              <a:rPr lang="en-CA" dirty="0"/>
+              <a:t>    </a:t>
+            </a:r>
+            <a:r>
+              <a:rPr lang="en-CA" dirty="0" err="1"/>
+              <a:t>foreach</a:t>
+            </a:r>
+            <a:r>
+              <a:rPr lang="en-CA" dirty="0"/>
+              <a:t> ($allResponses2 as $key =&gt; $</a:t>
+            </a:r>
+            <a:r>
+              <a:rPr lang="en-CA" dirty="0" err="1"/>
+              <a:t>val</a:t>
+            </a:r>
+            <a:r>
+              <a:rPr lang="en-CA" dirty="0"/>
+              <a:t>) { // Loop though one array</a:t>
+            </a:r>
+          </a:p>
+          <a:p>
+            <a:r>
+              <a:rPr lang="en-CA" dirty="0"/>
+              <a:t>        $val2 = $allResponses3[$key]; // Get the values from the other array</a:t>
+            </a:r>
+          </a:p>
+          <a:p>
+            <a:r>
+              <a:rPr lang="en-CA" dirty="0"/>
+              <a:t>        $allResponses4[$key] = $</a:t>
+            </a:r>
+            <a:r>
+              <a:rPr lang="en-CA" dirty="0" err="1"/>
+              <a:t>val</a:t>
+            </a:r>
+            <a:r>
+              <a:rPr lang="en-CA" dirty="0"/>
+              <a:t> + $val2; // combine '</a:t>
+            </a:r>
+            <a:r>
+              <a:rPr lang="en-CA" dirty="0" err="1"/>
+              <a:t>em</a:t>
+            </a:r>
+            <a:endParaRPr lang="en-CA" dirty="0"/>
+          </a:p>
+          <a:p>
+            <a:r>
+              <a:rPr lang="en-CA" dirty="0"/>
+              <a:t>    }</a:t>
+            </a:r>
+            <a:endParaRPr lang="en-CA" dirty="0"/>
           </a:p>
         </p:txBody>
       </p:sp>
     </p:spTree>
     <p:extLst>
       <p:ext uri="{BB962C8B-B14F-4D97-AF65-F5344CB8AC3E}">
-        <p14:creationId xmlns:p14="http://schemas.microsoft.com/office/powerpoint/2010/main" val="159689582"/>
+        <p14:creationId xmlns:p14="http://schemas.microsoft.com/office/powerpoint/2010/main" val="3325445095"/>
       </p:ext>
     </p:extLst>
   </p:cSld>
   <p:clrMapOvr>
     <a:masterClrMapping/>
   </p:clrMapOvr>
+  <p:timing>
+    <p:tnLst>
+      <p:par>
+        <p:cTn id="1" dur="indefinite" restart="never" nodeType="tmRoot"/>
+      </p:par>
+    </p:tnLst>
+  </p:timing>
 </p:sld>
 </file>
 
@@ -3424,7 +3655,11 @@
           <a:bodyPr/>
           <a:lstStyle/>
           <a:p>
-            <a:endParaRPr lang="en-CA"/>
+            <a:r>
+              <a:rPr lang="en-CA" dirty="0" smtClean="0"/>
+              <a:t>Twig Programming</a:t>
+            </a:r>
+            <a:endParaRPr lang="en-CA" dirty="0"/>
           </a:p>
         </p:txBody>
       </p:sp>
@@ -3440,23 +3675,311 @@
         </p:nvSpPr>
         <p:spPr/>
         <p:txBody>
-          <a:bodyPr/>
-          <a:lstStyle/>
-          <a:p>
-            <a:endParaRPr lang="en-CA"/>
+          <a:bodyPr>
+            <a:normAutofit fontScale="47500" lnSpcReduction="20000"/>
+          </a:bodyPr>
+          <a:lstStyle/>
+          <a:p>
+            <a:pPr marL="0" indent="0">
+              <a:buNone/>
+            </a:pPr>
+            <a:r>
+              <a:rPr lang="en-CA" dirty="0"/>
+              <a:t>{%set </a:t>
+            </a:r>
+            <a:r>
+              <a:rPr lang="en-CA" dirty="0" err="1"/>
+              <a:t>previousTemplateId</a:t>
+            </a:r>
+            <a:r>
+              <a:rPr lang="en-CA" dirty="0"/>
+              <a:t> = "" %}</a:t>
+            </a:r>
+          </a:p>
+          <a:p>
+            <a:pPr marL="0" indent="0">
+              <a:buNone/>
+            </a:pPr>
+            <a:r>
+              <a:rPr lang="en-CA" dirty="0"/>
+              <a:t>                {% for t in </a:t>
+            </a:r>
+            <a:r>
+              <a:rPr lang="en-CA" dirty="0" err="1"/>
+              <a:t>templatesUsedInSurveys</a:t>
+            </a:r>
+            <a:r>
+              <a:rPr lang="en-CA" dirty="0"/>
+              <a:t> %}</a:t>
+            </a:r>
+          </a:p>
+          <a:p>
+            <a:pPr marL="0" indent="0">
+              <a:buNone/>
+            </a:pPr>
+            <a:endParaRPr lang="en-CA" dirty="0"/>
+          </a:p>
+          <a:p>
+            <a:pPr marL="0" indent="0">
+              <a:buNone/>
+            </a:pPr>
+            <a:r>
+              <a:rPr lang="en-CA" dirty="0"/>
+              <a:t>                    {%if </a:t>
+            </a:r>
+            <a:r>
+              <a:rPr lang="en-CA" dirty="0" err="1"/>
+              <a:t>previousTemplateId</a:t>
+            </a:r>
+            <a:r>
+              <a:rPr lang="en-CA" dirty="0"/>
+              <a:t> != </a:t>
+            </a:r>
+            <a:r>
+              <a:rPr lang="en-CA" dirty="0" err="1"/>
+              <a:t>t.templateId</a:t>
+            </a:r>
+            <a:r>
+              <a:rPr lang="en-CA" dirty="0"/>
+              <a:t>%}</a:t>
+            </a:r>
+          </a:p>
+          <a:p>
+            <a:pPr marL="0" indent="0">
+              <a:buNone/>
+            </a:pPr>
+            <a:r>
+              <a:rPr lang="en-CA" dirty="0"/>
+              <a:t>                        {%set </a:t>
+            </a:r>
+            <a:r>
+              <a:rPr lang="en-CA" dirty="0" err="1"/>
+              <a:t>previousTemplateId</a:t>
+            </a:r>
+            <a:r>
+              <a:rPr lang="en-CA" dirty="0"/>
+              <a:t> = </a:t>
+            </a:r>
+            <a:r>
+              <a:rPr lang="en-CA" dirty="0" err="1"/>
+              <a:t>t.templateId</a:t>
+            </a:r>
+            <a:r>
+              <a:rPr lang="en-CA" dirty="0"/>
+              <a:t> %}</a:t>
+            </a:r>
+          </a:p>
+          <a:p>
+            <a:pPr marL="0" indent="0">
+              <a:buNone/>
+            </a:pPr>
+            <a:r>
+              <a:rPr lang="en-CA" dirty="0"/>
+              <a:t>                        &lt;</a:t>
+            </a:r>
+            <a:r>
+              <a:rPr lang="en-CA" dirty="0" err="1"/>
+              <a:t>tr</a:t>
+            </a:r>
+            <a:r>
+              <a:rPr lang="en-CA" dirty="0"/>
+              <a:t>&gt;</a:t>
+            </a:r>
+          </a:p>
+          <a:p>
+            <a:pPr marL="0" indent="0">
+              <a:buNone/>
+            </a:pPr>
+            <a:endParaRPr lang="en-CA" dirty="0"/>
+          </a:p>
+          <a:p>
+            <a:pPr marL="0" indent="0">
+              <a:buNone/>
+            </a:pPr>
+            <a:r>
+              <a:rPr lang="en-CA" dirty="0"/>
+              <a:t>                            &lt;td&gt;{{</a:t>
+            </a:r>
+            <a:r>
+              <a:rPr lang="en-CA" dirty="0" err="1"/>
+              <a:t>t.templateId</a:t>
+            </a:r>
+            <a:r>
+              <a:rPr lang="en-CA" dirty="0"/>
+              <a:t>}}&lt;/td&gt;</a:t>
+            </a:r>
+          </a:p>
+          <a:p>
+            <a:pPr marL="0" indent="0">
+              <a:buNone/>
+            </a:pPr>
+            <a:r>
+              <a:rPr lang="en-CA" dirty="0"/>
+              <a:t>                            &lt;td&gt; {{</a:t>
+            </a:r>
+            <a:r>
+              <a:rPr lang="en-CA" dirty="0" err="1"/>
+              <a:t>t.templateName</a:t>
+            </a:r>
+            <a:r>
+              <a:rPr lang="en-CA" dirty="0"/>
+              <a:t>}}&lt;/td&gt;</a:t>
+            </a:r>
+          </a:p>
+          <a:p>
+            <a:pPr marL="0" indent="0">
+              <a:buNone/>
+            </a:pPr>
+            <a:r>
+              <a:rPr lang="en-CA" dirty="0"/>
+              <a:t>                            &lt;td&gt;&lt;/td&gt;</a:t>
+            </a:r>
+          </a:p>
+          <a:p>
+            <a:pPr marL="0" indent="0">
+              <a:buNone/>
+            </a:pPr>
+            <a:r>
+              <a:rPr lang="en-CA" dirty="0"/>
+              <a:t>                        &lt;/</a:t>
+            </a:r>
+            <a:r>
+              <a:rPr lang="en-CA" dirty="0" err="1"/>
+              <a:t>tr</a:t>
+            </a:r>
+            <a:r>
+              <a:rPr lang="en-CA" dirty="0"/>
+              <a:t>&gt; </a:t>
+            </a:r>
+          </a:p>
+          <a:p>
+            <a:pPr marL="0" indent="0">
+              <a:buNone/>
+            </a:pPr>
+            <a:endParaRPr lang="en-CA" dirty="0"/>
+          </a:p>
+          <a:p>
+            <a:pPr marL="0" indent="0">
+              <a:buNone/>
+            </a:pPr>
+            <a:r>
+              <a:rPr lang="en-CA" dirty="0"/>
+              <a:t>                    {%</a:t>
+            </a:r>
+            <a:r>
+              <a:rPr lang="en-CA" dirty="0" err="1"/>
+              <a:t>endif</a:t>
+            </a:r>
+            <a:r>
+              <a:rPr lang="en-CA" dirty="0"/>
+              <a:t>%}  </a:t>
+            </a:r>
+          </a:p>
+          <a:p>
+            <a:pPr marL="0" indent="0">
+              <a:buNone/>
+            </a:pPr>
+            <a:r>
+              <a:rPr lang="en-CA" dirty="0"/>
+              <a:t>                    &lt;</a:t>
+            </a:r>
+            <a:r>
+              <a:rPr lang="en-CA" dirty="0" err="1"/>
+              <a:t>tr</a:t>
+            </a:r>
+            <a:r>
+              <a:rPr lang="en-CA" dirty="0"/>
+              <a:t>&gt;</a:t>
+            </a:r>
+          </a:p>
+          <a:p>
+            <a:pPr marL="0" indent="0">
+              <a:buNone/>
+            </a:pPr>
+            <a:r>
+              <a:rPr lang="en-CA" dirty="0"/>
+              <a:t>                        &lt;td&gt;&lt;/td&gt;</a:t>
+            </a:r>
+          </a:p>
+          <a:p>
+            <a:pPr marL="0" indent="0">
+              <a:buNone/>
+            </a:pPr>
+            <a:r>
+              <a:rPr lang="en-CA" dirty="0"/>
+              <a:t>                        &lt;td&gt;&lt;/td&gt;</a:t>
+            </a:r>
+          </a:p>
+          <a:p>
+            <a:pPr marL="0" indent="0">
+              <a:buNone/>
+            </a:pPr>
+            <a:r>
+              <a:rPr lang="en-CA" dirty="0"/>
+              <a:t>                        &lt;td&gt; {{</a:t>
+            </a:r>
+            <a:r>
+              <a:rPr lang="en-CA" dirty="0" err="1"/>
+              <a:t>t.question</a:t>
+            </a:r>
+            <a:r>
+              <a:rPr lang="en-CA" dirty="0"/>
+              <a:t>}}&lt;/td&gt;</a:t>
+            </a:r>
+          </a:p>
+          <a:p>
+            <a:pPr marL="0" indent="0">
+              <a:buNone/>
+            </a:pPr>
+            <a:r>
+              <a:rPr lang="en-CA" dirty="0"/>
+              <a:t>                    &lt;/</a:t>
+            </a:r>
+            <a:r>
+              <a:rPr lang="en-CA" dirty="0" err="1"/>
+              <a:t>tr</a:t>
+            </a:r>
+            <a:r>
+              <a:rPr lang="en-CA" dirty="0"/>
+              <a:t>&gt; </a:t>
+            </a:r>
+          </a:p>
+          <a:p>
+            <a:pPr marL="0" indent="0">
+              <a:buNone/>
+            </a:pPr>
+            <a:r>
+              <a:rPr lang="en-CA" dirty="0"/>
+              <a:t>                {% </a:t>
+            </a:r>
+            <a:r>
+              <a:rPr lang="en-CA" dirty="0" err="1"/>
+              <a:t>endfor</a:t>
+            </a:r>
+            <a:r>
+              <a:rPr lang="en-CA" dirty="0"/>
+              <a:t> %}</a:t>
+            </a:r>
           </a:p>
         </p:txBody>
       </p:sp>
     </p:spTree>
     <p:extLst>
       <p:ext uri="{BB962C8B-B14F-4D97-AF65-F5344CB8AC3E}">
-        <p14:creationId xmlns:p14="http://schemas.microsoft.com/office/powerpoint/2010/main" val="4104167235"/>
+        <p14:creationId xmlns:p14="http://schemas.microsoft.com/office/powerpoint/2010/main" val="1657173308"/>
       </p:ext>
     </p:extLst>
   </p:cSld>
   <p:clrMapOvr>
     <a:masterClrMapping/>
   </p:clrMapOvr>
+  <p:timing>
+    <p:tnLst>
+      <p:par>
+        <p:cTn id="1" dur="indefinite" restart="never" nodeType="tmRoot"/>
+      </p:par>
+    </p:tnLst>
+  </p:timing>
 </p:sld>
 </file>
 
@@ -3492,7 +4015,15 @@
           <a:bodyPr/>
           <a:lstStyle/>
           <a:p>
-            <a:endParaRPr lang="en-CA"/>
+            <a:r>
+              <a:rPr lang="en-CA" dirty="0" smtClean="0"/>
+              <a:t>Super </a:t>
+            </a:r>
+            <a:r>
+              <a:rPr lang="en-CA" dirty="0" err="1" smtClean="0"/>
+              <a:t>Globals</a:t>
+            </a:r>
+            <a:endParaRPr lang="en-CA" dirty="0"/>
           </a:p>
         </p:txBody>
       </p:sp>
@@ -3508,27 +4039,264 @@
         </p:nvSpPr>
         <p:spPr/>
         <p:txBody>
-          <a:bodyPr/>
-          <a:lstStyle/>
-          <a:p>
-            <a:r>
-              <a:rPr lang="en-CA" dirty="0" smtClean="0"/>
-              <a:t> 1 slide: Future work</a:t>
-            </a:r>
-          </a:p>
-          <a:p>
-            <a:r>
-              <a:rPr lang="en-CA" dirty="0" smtClean="0"/>
-              <a:t>- say what was not done yet and could be</a:t>
-            </a:r>
-          </a:p>
-          <a:p>
-            <a:r>
-              <a:rPr lang="en-CA" dirty="0" smtClean="0"/>
-              <a:t>solved if your project continued.</a:t>
-            </a:r>
-          </a:p>
-          <a:p>
+          <a:bodyPr>
+            <a:normAutofit fontScale="55000" lnSpcReduction="20000"/>
+          </a:bodyPr>
+          <a:lstStyle/>
+          <a:p>
+            <a:r>
+              <a:rPr lang="en-CA" dirty="0"/>
+              <a:t>//function to </a:t>
+            </a:r>
+            <a:r>
+              <a:rPr lang="en-CA" dirty="0" err="1"/>
+              <a:t>udpdate</a:t>
+            </a:r>
+            <a:r>
+              <a:rPr lang="en-CA" dirty="0"/>
+              <a:t> composer global variable</a:t>
+            </a:r>
+          </a:p>
+          <a:p>
+            <a:r>
+              <a:rPr lang="en-CA" dirty="0"/>
+              <a:t>function </a:t>
+            </a:r>
+            <a:r>
+              <a:rPr lang="en-CA" dirty="0" err="1"/>
+              <a:t>updateGlobalAll</a:t>
+            </a:r>
+            <a:r>
+              <a:rPr lang="en-CA" dirty="0"/>
+              <a:t>($twig) {</a:t>
+            </a:r>
+          </a:p>
+          <a:p>
+            <a:r>
+              <a:rPr lang="en-CA" dirty="0"/>
+              <a:t>//selected questions to create a template</a:t>
+            </a:r>
+          </a:p>
+          <a:p>
+            <a:r>
+              <a:rPr lang="en-CA" dirty="0"/>
+              <a:t>    $twig-&gt;</a:t>
+            </a:r>
+            <a:r>
+              <a:rPr lang="en-CA" dirty="0" err="1"/>
+              <a:t>addGlobal</a:t>
+            </a:r>
+            <a:r>
+              <a:rPr lang="en-CA" dirty="0"/>
+              <a:t>('$</a:t>
+            </a:r>
+            <a:r>
+              <a:rPr lang="en-CA" dirty="0" err="1"/>
+              <a:t>selectedQuestions</a:t>
+            </a:r>
+            <a:r>
+              <a:rPr lang="en-CA" dirty="0"/>
+              <a:t>', $_SESSION['$</a:t>
+            </a:r>
+            <a:r>
+              <a:rPr lang="en-CA" dirty="0" err="1"/>
+              <a:t>selectedQuestions</a:t>
+            </a:r>
+            <a:r>
+              <a:rPr lang="en-CA" dirty="0"/>
+              <a:t>']);</a:t>
+            </a:r>
+          </a:p>
+          <a:p>
+            <a:r>
+              <a:rPr lang="en-CA" dirty="0"/>
+              <a:t>//active admin</a:t>
+            </a:r>
+          </a:p>
+          <a:p>
+            <a:r>
+              <a:rPr lang="en-CA" dirty="0"/>
+              <a:t>    $twig-&gt;</a:t>
+            </a:r>
+            <a:r>
+              <a:rPr lang="en-CA" dirty="0" err="1"/>
+              <a:t>addGlobal</a:t>
+            </a:r>
+            <a:r>
+              <a:rPr lang="en-CA" dirty="0"/>
+              <a:t>('</a:t>
+            </a:r>
+            <a:r>
+              <a:rPr lang="en-CA" dirty="0" err="1"/>
+              <a:t>todouser</a:t>
+            </a:r>
+            <a:r>
+              <a:rPr lang="en-CA" dirty="0"/>
+              <a:t>', $_SESSION['</a:t>
+            </a:r>
+            <a:r>
+              <a:rPr lang="en-CA" dirty="0" err="1"/>
+              <a:t>todouser</a:t>
+            </a:r>
+            <a:r>
+              <a:rPr lang="en-CA" dirty="0"/>
+              <a:t>']);</a:t>
+            </a:r>
+          </a:p>
+          <a:p>
+            <a:r>
+              <a:rPr lang="en-CA" dirty="0"/>
+              <a:t>//active template</a:t>
+            </a:r>
+          </a:p>
+          <a:p>
+            <a:r>
+              <a:rPr lang="en-CA" dirty="0"/>
+              <a:t>    $twig-&gt;</a:t>
+            </a:r>
+            <a:r>
+              <a:rPr lang="en-CA" dirty="0" err="1"/>
+              <a:t>addGlobal</a:t>
+            </a:r>
+            <a:r>
+              <a:rPr lang="en-CA" dirty="0"/>
+              <a:t>('</a:t>
+            </a:r>
+            <a:r>
+              <a:rPr lang="en-CA" dirty="0" err="1"/>
+              <a:t>templateselected</a:t>
+            </a:r>
+            <a:r>
+              <a:rPr lang="en-CA" dirty="0"/>
+              <a:t>', $_SESSION['</a:t>
+            </a:r>
+            <a:r>
+              <a:rPr lang="en-CA" dirty="0" err="1"/>
+              <a:t>templateselected</a:t>
+            </a:r>
+            <a:r>
+              <a:rPr lang="en-CA" dirty="0"/>
+              <a:t>']);</a:t>
+            </a:r>
+          </a:p>
+          <a:p>
+            <a:r>
+              <a:rPr lang="en-CA" dirty="0"/>
+              <a:t>//active </a:t>
+            </a:r>
+            <a:r>
+              <a:rPr lang="en-CA" dirty="0" err="1"/>
+              <a:t>surveyee</a:t>
+            </a:r>
+            <a:endParaRPr lang="en-CA" dirty="0"/>
+          </a:p>
+          <a:p>
+            <a:r>
+              <a:rPr lang="en-CA" dirty="0"/>
+              <a:t>    $twig-&gt;</a:t>
+            </a:r>
+            <a:r>
+              <a:rPr lang="en-CA" dirty="0" err="1"/>
+              <a:t>addGlobal</a:t>
+            </a:r>
+            <a:r>
+              <a:rPr lang="en-CA" dirty="0"/>
+              <a:t>('</a:t>
+            </a:r>
+            <a:r>
+              <a:rPr lang="en-CA" dirty="0" err="1"/>
+              <a:t>userselected</a:t>
+            </a:r>
+            <a:r>
+              <a:rPr lang="en-CA" dirty="0"/>
+              <a:t>', $_SESSION['</a:t>
+            </a:r>
+            <a:r>
+              <a:rPr lang="en-CA" dirty="0" err="1"/>
+              <a:t>userselected</a:t>
+            </a:r>
+            <a:r>
+              <a:rPr lang="en-CA" dirty="0"/>
+              <a:t>']);</a:t>
+            </a:r>
+          </a:p>
+          <a:p>
+            <a:r>
+              <a:rPr lang="en-CA" dirty="0"/>
+              <a:t>//name of the current survey</a:t>
+            </a:r>
+          </a:p>
+          <a:p>
+            <a:r>
+              <a:rPr lang="en-CA" dirty="0"/>
+              <a:t>    $twig-&gt;</a:t>
+            </a:r>
+            <a:r>
+              <a:rPr lang="en-CA" dirty="0" err="1"/>
+              <a:t>addGlobal</a:t>
+            </a:r>
+            <a:r>
+              <a:rPr lang="en-CA" dirty="0"/>
+              <a:t>('</a:t>
+            </a:r>
+            <a:r>
+              <a:rPr lang="en-CA" dirty="0" err="1"/>
+              <a:t>activesurvey</a:t>
+            </a:r>
+            <a:r>
+              <a:rPr lang="en-CA" dirty="0"/>
+              <a:t>', $_SESSION['</a:t>
+            </a:r>
+            <a:r>
+              <a:rPr lang="en-CA" dirty="0" err="1"/>
+              <a:t>activesurvey</a:t>
+            </a:r>
+            <a:r>
+              <a:rPr lang="en-CA" dirty="0"/>
+              <a:t>']);</a:t>
+            </a:r>
+          </a:p>
+          <a:p>
+            <a:r>
+              <a:rPr lang="en-CA" dirty="0"/>
+              <a:t>//link to go back</a:t>
+            </a:r>
+          </a:p>
+          <a:p>
+            <a:r>
+              <a:rPr lang="en-CA" dirty="0"/>
+              <a:t>    $twig-&gt;</a:t>
+            </a:r>
+            <a:r>
+              <a:rPr lang="en-CA" dirty="0" err="1"/>
+              <a:t>addGlobal</a:t>
+            </a:r>
+            <a:r>
+              <a:rPr lang="en-CA" dirty="0"/>
+              <a:t>('</a:t>
+            </a:r>
+            <a:r>
+              <a:rPr lang="en-CA" dirty="0" err="1"/>
+              <a:t>linkToGoBack</a:t>
+            </a:r>
+            <a:r>
+              <a:rPr lang="en-CA" dirty="0"/>
+              <a:t>', $_SESSION['$</a:t>
+            </a:r>
+            <a:r>
+              <a:rPr lang="en-CA" dirty="0" err="1"/>
+              <a:t>linkToGoBack</a:t>
+            </a:r>
+            <a:r>
+              <a:rPr lang="en-CA" dirty="0"/>
+              <a:t>']);</a:t>
+            </a:r>
+          </a:p>
+          <a:p>
+            <a:r>
+              <a:rPr lang="en-CA" dirty="0"/>
+              <a:t>}</a:t>
+            </a:r>
             <a:endParaRPr lang="en-CA" dirty="0"/>
           </a:p>
         </p:txBody>
@@ -3536,13 +4304,20 @@
     </p:spTree>
     <p:extLst>
       <p:ext uri="{BB962C8B-B14F-4D97-AF65-F5344CB8AC3E}">
-        <p14:creationId xmlns:p14="http://schemas.microsoft.com/office/powerpoint/2010/main" val="21523109"/>
+        <p14:creationId xmlns:p14="http://schemas.microsoft.com/office/powerpoint/2010/main" val="3232346678"/>
       </p:ext>
     </p:extLst>
   </p:cSld>
   <p:clrMapOvr>
     <a:masterClrMapping/>
   </p:clrMapOvr>
+  <p:timing>
+    <p:tnLst>
+      <p:par>
+        <p:cTn id="1" dur="indefinite" restart="never" nodeType="tmRoot"/>
+      </p:par>
+    </p:tnLst>
+  </p:timing>
 </p:sld>
 </file>
 
@@ -3578,7 +4353,11 @@
           <a:bodyPr/>
           <a:lstStyle/>
           <a:p>
-            <a:endParaRPr lang="en-CA"/>
+            <a:r>
+              <a:rPr lang="en-CA" dirty="0" smtClean="0"/>
+              <a:t>Database - Testing Data integrity</a:t>
+            </a:r>
+            <a:endParaRPr lang="en-CA" dirty="0"/>
           </a:p>
         </p:txBody>
       </p:sp>
@@ -3594,18 +4373,561 @@
         </p:nvSpPr>
         <p:spPr/>
         <p:txBody>
-          <a:bodyPr/>
-          <a:lstStyle/>
-          <a:p>
-            <a:r>
-              <a:rPr lang="en-CA" dirty="0" smtClean="0"/>
-              <a:t> 1 slide: Summary</a:t>
-            </a:r>
-          </a:p>
-          <a:p>
-            <a:r>
-              <a:rPr lang="en-CA" dirty="0" smtClean="0"/>
-              <a:t>- what was done and with what result.</a:t>
+          <a:bodyPr>
+            <a:normAutofit fontScale="70000" lnSpcReduction="20000"/>
+          </a:bodyPr>
+          <a:lstStyle/>
+          <a:p>
+            <a:r>
+              <a:rPr lang="en-CA" dirty="0"/>
+              <a:t> CREATE TEMPORARY TABLE </a:t>
+            </a:r>
+            <a:r>
+              <a:rPr lang="en-CA" dirty="0" err="1"/>
+              <a:t>allSurvey</a:t>
+            </a:r>
+            <a:r>
+              <a:rPr lang="en-CA" dirty="0"/>
+              <a:t> (</a:t>
+            </a:r>
+          </a:p>
+          <a:p>
+            <a:r>
+              <a:rPr lang="en-CA" dirty="0"/>
+              <a:t>        SELECT </a:t>
+            </a:r>
+            <a:r>
+              <a:rPr lang="en-CA" dirty="0" smtClean="0"/>
+              <a:t>*        </a:t>
+            </a:r>
+            <a:endParaRPr lang="en-CA" dirty="0"/>
+          </a:p>
+          <a:p>
+            <a:r>
+              <a:rPr lang="en-CA" dirty="0"/>
+              <a:t>        FROM </a:t>
+            </a:r>
+            <a:r>
+              <a:rPr lang="en-CA" dirty="0" smtClean="0"/>
+              <a:t> 	templates </a:t>
+            </a:r>
+            <a:r>
+              <a:rPr lang="en-CA" dirty="0"/>
+              <a:t>as t,</a:t>
+            </a:r>
+          </a:p>
+          <a:p>
+            <a:r>
+              <a:rPr lang="en-CA" dirty="0"/>
+              <a:t>        </a:t>
+            </a:r>
+            <a:r>
+              <a:rPr lang="en-CA" dirty="0" smtClean="0"/>
+              <a:t>		responses </a:t>
+            </a:r>
+            <a:r>
+              <a:rPr lang="en-CA" dirty="0"/>
+              <a:t>as r, </a:t>
+            </a:r>
+          </a:p>
+          <a:p>
+            <a:r>
+              <a:rPr lang="en-CA" dirty="0"/>
+              <a:t>        </a:t>
+            </a:r>
+            <a:r>
+              <a:rPr lang="en-CA" dirty="0" smtClean="0"/>
+              <a:t>		answers </a:t>
+            </a:r>
+            <a:r>
+              <a:rPr lang="en-CA" dirty="0"/>
+              <a:t>as a, </a:t>
+            </a:r>
+          </a:p>
+          <a:p>
+            <a:r>
+              <a:rPr lang="en-CA" dirty="0"/>
+              <a:t>        </a:t>
+            </a:r>
+            <a:r>
+              <a:rPr lang="en-CA" dirty="0" smtClean="0"/>
+              <a:t>		questions </a:t>
+            </a:r>
+            <a:r>
+              <a:rPr lang="en-CA" dirty="0"/>
+              <a:t>q,</a:t>
+            </a:r>
+          </a:p>
+          <a:p>
+            <a:r>
+              <a:rPr lang="en-CA" dirty="0"/>
+              <a:t>        </a:t>
+            </a:r>
+            <a:r>
+              <a:rPr lang="en-CA" dirty="0" smtClean="0"/>
+              <a:t>		users </a:t>
+            </a:r>
+            <a:r>
+              <a:rPr lang="en-CA" dirty="0"/>
+              <a:t>as u</a:t>
+            </a:r>
+          </a:p>
+          <a:p>
+            <a:r>
+              <a:rPr lang="en-CA" dirty="0"/>
+              <a:t>        WHERE </a:t>
+            </a:r>
+          </a:p>
+          <a:p>
+            <a:r>
+              <a:rPr lang="en-CA" dirty="0"/>
+              <a:t>        </a:t>
+            </a:r>
+            <a:r>
+              <a:rPr lang="en-CA" dirty="0" smtClean="0"/>
+              <a:t>		t.id  </a:t>
+            </a:r>
+            <a:r>
+              <a:rPr lang="en-CA" dirty="0"/>
+              <a:t>= </a:t>
+            </a:r>
+            <a:r>
+              <a:rPr lang="en-CA" dirty="0" err="1"/>
+              <a:t>r.templateId</a:t>
+            </a:r>
+            <a:r>
+              <a:rPr lang="en-CA" dirty="0"/>
+              <a:t> AND</a:t>
+            </a:r>
+          </a:p>
+          <a:p>
+            <a:r>
+              <a:rPr lang="en-CA" dirty="0"/>
+              <a:t>        </a:t>
+            </a:r>
+            <a:r>
+              <a:rPr lang="en-CA" dirty="0" smtClean="0"/>
+              <a:t>		</a:t>
+            </a:r>
+            <a:r>
+              <a:rPr lang="en-CA" dirty="0" err="1" smtClean="0"/>
+              <a:t>r.userid</a:t>
+            </a:r>
+            <a:r>
+              <a:rPr lang="en-CA" dirty="0" smtClean="0"/>
+              <a:t> </a:t>
+            </a:r>
+            <a:r>
+              <a:rPr lang="en-CA" dirty="0"/>
+              <a:t>= u.id AND</a:t>
+            </a:r>
+          </a:p>
+          <a:p>
+            <a:r>
+              <a:rPr lang="en-CA" dirty="0"/>
+              <a:t>        </a:t>
+            </a:r>
+            <a:r>
+              <a:rPr lang="en-CA" dirty="0" smtClean="0"/>
+              <a:t>		r.id  </a:t>
+            </a:r>
+            <a:r>
+              <a:rPr lang="en-CA" dirty="0"/>
+              <a:t>= </a:t>
+            </a:r>
+            <a:r>
+              <a:rPr lang="en-CA" dirty="0" err="1"/>
+              <a:t>a.responseId</a:t>
+            </a:r>
+            <a:r>
+              <a:rPr lang="en-CA" dirty="0"/>
+              <a:t> AND</a:t>
+            </a:r>
+          </a:p>
+          <a:p>
+            <a:r>
+              <a:rPr lang="en-CA" dirty="0"/>
+              <a:t>        </a:t>
+            </a:r>
+            <a:r>
+              <a:rPr lang="en-CA" dirty="0" smtClean="0"/>
+              <a:t>		a.questionId=q.id</a:t>
+            </a:r>
+            <a:endParaRPr lang="en-CA" dirty="0"/>
+          </a:p>
+          <a:p>
+            <a:r>
+              <a:rPr lang="en-CA" dirty="0"/>
+              <a:t>         )</a:t>
+            </a:r>
+            <a:endParaRPr lang="en-CA" dirty="0"/>
+          </a:p>
+        </p:txBody>
+      </p:sp>
+    </p:spTree>
+    <p:extLst>
+      <p:ext uri="{BB962C8B-B14F-4D97-AF65-F5344CB8AC3E}">
+        <p14:creationId xmlns:p14="http://schemas.microsoft.com/office/powerpoint/2010/main" val="159689582"/>
+      </p:ext>
+    </p:extLst>
+  </p:cSld>
+  <p:clrMapOvr>
+    <a:masterClrMapping/>
+  </p:clrMapOvr>
+  <p:timing>
+    <p:tnLst>
+      <p:par>
+        <p:cTn id="1" dur="indefinite" restart="never" nodeType="tmRoot"/>
+      </p:par>
+    </p:tnLst>
+  </p:timing>
+</p:sld>
+</file>
+
+<file path=ppt/slides/slide16.xml><?xml version="1.0" encoding="utf-8"?>
+<p:sld xmlns:a="http://schemas.openxmlformats.org/drawingml/2006/main" xmlns:r="http://schemas.openxmlformats.org/officeDocument/2006/relationships" xmlns:p="http://schemas.openxmlformats.org/presentationml/2006/main">
+  <p:cSld>
+    <p:spTree>
+      <p:nvGrpSpPr>
+        <p:cNvPr id="1" name=""/>
+        <p:cNvGrpSpPr/>
+        <p:nvPr/>
+      </p:nvGrpSpPr>
+      <p:grpSpPr>
+        <a:xfrm>
+          <a:off x="0" y="0"/>
+          <a:ext cx="0" cy="0"/>
+          <a:chOff x="0" y="0"/>
+          <a:chExt cx="0" cy="0"/>
+        </a:xfrm>
+      </p:grpSpPr>
+      <p:sp>
+        <p:nvSpPr>
+          <p:cNvPr id="2" name="Title 1"/>
+          <p:cNvSpPr>
+            <a:spLocks noGrp="1"/>
+          </p:cNvSpPr>
+          <p:nvPr>
+            <p:ph type="title"/>
+          </p:nvPr>
+        </p:nvSpPr>
+        <p:spPr/>
+        <p:txBody>
+          <a:bodyPr/>
+          <a:lstStyle/>
+          <a:p>
+            <a:r>
+              <a:rPr lang="en-CA" dirty="0" smtClean="0"/>
+              <a:t>Marketing Statistics</a:t>
+            </a:r>
+            <a:endParaRPr lang="en-CA" dirty="0"/>
+          </a:p>
+        </p:txBody>
+      </p:sp>
+      <p:pic>
+        <p:nvPicPr>
+          <p:cNvPr id="3074" name="Picture 2"/>
+          <p:cNvPicPr>
+            <a:picLocks noGrp="1" noChangeAspect="1" noChangeArrowheads="1"/>
+          </p:cNvPicPr>
+          <p:nvPr>
+            <p:ph idx="1"/>
+          </p:nvPr>
+        </p:nvPicPr>
+        <p:blipFill>
+          <a:blip r:embed="rId2">
+            <a:extLst>
+              <a:ext uri="{28A0092B-C50C-407E-A947-70E740481C1C}">
+                <a14:useLocalDpi xmlns:a14="http://schemas.microsoft.com/office/drawing/2010/main" val="0"/>
+              </a:ext>
+            </a:extLst>
+          </a:blip>
+          <a:srcRect/>
+          <a:stretch>
+            <a:fillRect/>
+          </a:stretch>
+        </p:blipFill>
+        <p:spPr bwMode="auto">
+          <a:xfrm>
+            <a:off x="2352537" y="1600200"/>
+            <a:ext cx="4438925" cy="4525963"/>
+          </a:xfrm>
+          <a:prstGeom prst="rect">
+            <a:avLst/>
+          </a:prstGeom>
+          <a:noFill/>
+          <a:ln>
+            <a:noFill/>
+          </a:ln>
+          <a:effectLst/>
+          <a:extLst>
+            <a:ext uri="{909E8E84-426E-40DD-AFC4-6F175D3DCCD1}">
+              <a14:hiddenFill xmlns:a14="http://schemas.microsoft.com/office/drawing/2010/main">
+                <a:solidFill>
+                  <a:schemeClr val="accent1"/>
+                </a:solidFill>
+              </a14:hiddenFill>
+            </a:ext>
+            <a:ext uri="{91240B29-F687-4F45-9708-019B960494DF}">
+              <a14:hiddenLine xmlns:a14="http://schemas.microsoft.com/office/drawing/2010/main" w="9525">
+                <a:solidFill>
+                  <a:schemeClr val="tx1"/>
+                </a:solidFill>
+                <a:miter lim="800000"/>
+                <a:headEnd/>
+                <a:tailEnd/>
+              </a14:hiddenLine>
+            </a:ext>
+            <a:ext uri="{AF507438-7753-43E0-B8FC-AC1667EBCBE1}">
+              <a14:hiddenEffects xmlns:a14="http://schemas.microsoft.com/office/drawing/2010/main">
+                <a:effectLst>
+                  <a:outerShdw dist="35921" dir="2700000" algn="ctr" rotWithShape="0">
+                    <a:schemeClr val="bg2"/>
+                  </a:outerShdw>
+                </a:effectLst>
+              </a14:hiddenEffects>
+            </a:ext>
+          </a:extLst>
+        </p:spPr>
+      </p:pic>
+    </p:spTree>
+    <p:extLst>
+      <p:ext uri="{BB962C8B-B14F-4D97-AF65-F5344CB8AC3E}">
+        <p14:creationId xmlns:p14="http://schemas.microsoft.com/office/powerpoint/2010/main" val="4104167235"/>
+      </p:ext>
+    </p:extLst>
+  </p:cSld>
+  <p:clrMapOvr>
+    <a:masterClrMapping/>
+  </p:clrMapOvr>
+  <p:timing>
+    <p:tnLst>
+      <p:par>
+        <p:cTn id="1" dur="indefinite" restart="never" nodeType="tmRoot"/>
+      </p:par>
+    </p:tnLst>
+  </p:timing>
+</p:sld>
+</file>
+
+<file path=ppt/slides/slide17.xml><?xml version="1.0" encoding="utf-8"?>
+<p:sld xmlns:a="http://schemas.openxmlformats.org/drawingml/2006/main" xmlns:r="http://schemas.openxmlformats.org/officeDocument/2006/relationships" xmlns:p="http://schemas.openxmlformats.org/presentationml/2006/main">
+  <p:cSld>
+    <p:spTree>
+      <p:nvGrpSpPr>
+        <p:cNvPr id="1" name=""/>
+        <p:cNvGrpSpPr/>
+        <p:nvPr/>
+      </p:nvGrpSpPr>
+      <p:grpSpPr>
+        <a:xfrm>
+          <a:off x="0" y="0"/>
+          <a:ext cx="0" cy="0"/>
+          <a:chOff x="0" y="0"/>
+          <a:chExt cx="0" cy="0"/>
+        </a:xfrm>
+      </p:grpSpPr>
+      <p:sp>
+        <p:nvSpPr>
+          <p:cNvPr id="2" name="Title 1"/>
+          <p:cNvSpPr>
+            <a:spLocks noGrp="1"/>
+          </p:cNvSpPr>
+          <p:nvPr>
+            <p:ph type="title"/>
+          </p:nvPr>
+        </p:nvSpPr>
+        <p:spPr/>
+        <p:txBody>
+          <a:bodyPr/>
+          <a:lstStyle/>
+          <a:p>
+            <a:r>
+              <a:rPr lang="en-CA" dirty="0" smtClean="0"/>
+              <a:t>Future Work</a:t>
+            </a:r>
+            <a:endParaRPr lang="en-CA" dirty="0"/>
+          </a:p>
+        </p:txBody>
+      </p:sp>
+      <p:sp>
+        <p:nvSpPr>
+          <p:cNvPr id="3" name="Content Placeholder 2"/>
+          <p:cNvSpPr>
+            <a:spLocks noGrp="1"/>
+          </p:cNvSpPr>
+          <p:nvPr>
+            <p:ph idx="1"/>
+          </p:nvPr>
+        </p:nvSpPr>
+        <p:spPr/>
+        <p:txBody>
+          <a:bodyPr>
+            <a:normAutofit/>
+          </a:bodyPr>
+          <a:lstStyle/>
+          <a:p>
+            <a:r>
+              <a:rPr lang="en-CA" dirty="0" smtClean="0"/>
+              <a:t>Input Data validation</a:t>
+            </a:r>
+          </a:p>
+          <a:p>
+            <a:r>
+              <a:rPr lang="en-CA" dirty="0" smtClean="0"/>
+              <a:t>Define better user Cases</a:t>
+            </a:r>
+          </a:p>
+          <a:p>
+            <a:r>
+              <a:rPr lang="en-CA" dirty="0" smtClean="0"/>
+              <a:t>Testing</a:t>
+            </a:r>
+            <a:endParaRPr lang="en-CA" dirty="0" smtClean="0"/>
+          </a:p>
+          <a:p>
+            <a:r>
+              <a:rPr lang="en-CA" dirty="0" smtClean="0"/>
+              <a:t>Market Analysis Tools</a:t>
+            </a:r>
+          </a:p>
+          <a:p>
+            <a:r>
+              <a:rPr lang="en-CA" dirty="0" smtClean="0"/>
+              <a:t>Very Beneficial in Event Information Collection</a:t>
+            </a:r>
+          </a:p>
+          <a:p>
+            <a:r>
+              <a:rPr lang="en-CA" dirty="0" smtClean="0"/>
+              <a:t>Specifically design UI and functionality for company events</a:t>
+            </a:r>
+          </a:p>
+        </p:txBody>
+      </p:sp>
+    </p:spTree>
+    <p:extLst>
+      <p:ext uri="{BB962C8B-B14F-4D97-AF65-F5344CB8AC3E}">
+        <p14:creationId xmlns:p14="http://schemas.microsoft.com/office/powerpoint/2010/main" val="21523109"/>
+      </p:ext>
+    </p:extLst>
+  </p:cSld>
+  <p:clrMapOvr>
+    <a:masterClrMapping/>
+  </p:clrMapOvr>
+  <p:timing>
+    <p:tnLst>
+      <p:par>
+        <p:cTn id="1" dur="indefinite" restart="never" nodeType="tmRoot"/>
+      </p:par>
+    </p:tnLst>
+  </p:timing>
+</p:sld>
+</file>
+
+<file path=ppt/slides/slide18.xml><?xml version="1.0" encoding="utf-8"?>
+<p:sld xmlns:a="http://schemas.openxmlformats.org/drawingml/2006/main" xmlns:r="http://schemas.openxmlformats.org/officeDocument/2006/relationships" xmlns:p="http://schemas.openxmlformats.org/presentationml/2006/main">
+  <p:cSld>
+    <p:spTree>
+      <p:nvGrpSpPr>
+        <p:cNvPr id="1" name=""/>
+        <p:cNvGrpSpPr/>
+        <p:nvPr/>
+      </p:nvGrpSpPr>
+      <p:grpSpPr>
+        <a:xfrm>
+          <a:off x="0" y="0"/>
+          <a:ext cx="0" cy="0"/>
+          <a:chOff x="0" y="0"/>
+          <a:chExt cx="0" cy="0"/>
+        </a:xfrm>
+      </p:grpSpPr>
+      <p:sp>
+        <p:nvSpPr>
+          <p:cNvPr id="2" name="Title 1"/>
+          <p:cNvSpPr>
+            <a:spLocks noGrp="1"/>
+          </p:cNvSpPr>
+          <p:nvPr>
+            <p:ph type="title"/>
+          </p:nvPr>
+        </p:nvSpPr>
+        <p:spPr/>
+        <p:txBody>
+          <a:bodyPr/>
+          <a:lstStyle/>
+          <a:p>
+            <a:r>
+              <a:rPr lang="en-CA" dirty="0" smtClean="0"/>
+              <a:t>Conclusion</a:t>
+            </a:r>
+            <a:endParaRPr lang="en-CA" dirty="0"/>
+          </a:p>
+        </p:txBody>
+      </p:sp>
+      <p:sp>
+        <p:nvSpPr>
+          <p:cNvPr id="3" name="Content Placeholder 2"/>
+          <p:cNvSpPr>
+            <a:spLocks noGrp="1"/>
+          </p:cNvSpPr>
+          <p:nvPr>
+            <p:ph idx="1"/>
+          </p:nvPr>
+        </p:nvSpPr>
+        <p:spPr/>
+        <p:txBody>
+          <a:bodyPr/>
+          <a:lstStyle/>
+          <a:p>
+            <a:r>
+              <a:rPr lang="en-CA" dirty="0" smtClean="0"/>
+              <a:t> </a:t>
+            </a:r>
+            <a:r>
+              <a:rPr lang="en-CA" dirty="0" smtClean="0"/>
+              <a:t>PHP project is the best learning experience in IPD</a:t>
+            </a:r>
+          </a:p>
+          <a:p>
+            <a:r>
+              <a:rPr lang="en-CA" dirty="0" smtClean="0"/>
+              <a:t>Database design and queries</a:t>
+            </a:r>
+          </a:p>
+          <a:p>
+            <a:r>
+              <a:rPr lang="en-CA" dirty="0" err="1" smtClean="0"/>
+              <a:t>MultiDimensional</a:t>
+            </a:r>
+            <a:r>
+              <a:rPr lang="en-CA" dirty="0" smtClean="0"/>
+              <a:t>  Array , Session </a:t>
+            </a:r>
+            <a:r>
+              <a:rPr lang="en-CA" dirty="0" err="1" smtClean="0"/>
+              <a:t>SuperGlobal</a:t>
+            </a:r>
+            <a:r>
+              <a:rPr lang="en-CA" dirty="0" smtClean="0"/>
+              <a:t> </a:t>
+            </a:r>
+            <a:r>
+              <a:rPr lang="en-CA" dirty="0" err="1" smtClean="0"/>
+              <a:t>Php</a:t>
+            </a:r>
+            <a:endParaRPr lang="en-CA" dirty="0" smtClean="0"/>
+          </a:p>
+          <a:p>
+            <a:r>
+              <a:rPr lang="en-CA" dirty="0" smtClean="0"/>
+              <a:t>Completed all proposal’s objectives</a:t>
+            </a:r>
+          </a:p>
+          <a:p>
+            <a:r>
+              <a:rPr lang="en-CA" dirty="0" smtClean="0"/>
+              <a:t>Company will use the app in events</a:t>
             </a:r>
             <a:endParaRPr lang="en-CA" dirty="0"/>
           </a:p>
@@ -3621,6 +4943,13 @@
   <p:clrMapOvr>
     <a:masterClrMapping/>
   </p:clrMapOvr>
+  <p:timing>
+    <p:tnLst>
+      <p:par>
+        <p:cTn id="1" dur="indefinite" restart="never" nodeType="tmRoot"/>
+      </p:par>
+    </p:tnLst>
+  </p:timing>
 </p:sld>
 </file>
 
@@ -3656,7 +4985,11 @@
           <a:bodyPr/>
           <a:lstStyle/>
           <a:p>
-            <a:endParaRPr lang="en-CA"/>
+            <a:r>
+              <a:rPr lang="en-CA" dirty="0" smtClean="0"/>
+              <a:t>Marketing Event Surveys</a:t>
+            </a:r>
+            <a:endParaRPr lang="en-CA" dirty="0"/>
           </a:p>
         </p:txBody>
       </p:sp>
@@ -3672,49 +5005,65 @@
         </p:nvSpPr>
         <p:spPr/>
         <p:txBody>
-          <a:bodyPr/>
-          <a:lstStyle/>
-          <a:p>
-            <a:r>
-              <a:rPr lang="en-CA" dirty="0" smtClean="0"/>
-              <a:t>* 1-2 slides: Background</a:t>
-            </a:r>
-            <a:br>
-              <a:rPr lang="en-CA" dirty="0" smtClean="0"/>
-            </a:br>
-            <a:r>
-              <a:rPr lang="en-CA" dirty="0" smtClean="0"/>
-              <a:t>- Background of the project, e.g.</a:t>
-            </a:r>
-            <a:br>
-              <a:rPr lang="en-CA" dirty="0" smtClean="0"/>
-            </a:br>
-            <a:r>
-              <a:rPr lang="en-CA" dirty="0" smtClean="0"/>
-              <a:t>. explain a game you were implementing,</a:t>
-            </a:r>
-            <a:br>
-              <a:rPr lang="en-CA" dirty="0" smtClean="0"/>
-            </a:br>
-            <a:r>
-              <a:rPr lang="en-CA" dirty="0" smtClean="0"/>
-              <a:t>. explain what was the purpose of system</a:t>
-            </a:r>
-            <a:br>
-              <a:rPr lang="en-CA" dirty="0" smtClean="0"/>
-            </a:br>
-            <a:r>
-              <a:rPr lang="en-CA" dirty="0" smtClean="0"/>
-              <a:t>you were implementing and what problem</a:t>
-            </a:r>
-            <a:br>
-              <a:rPr lang="en-CA" dirty="0" smtClean="0"/>
-            </a:br>
-            <a:r>
-              <a:rPr lang="en-CA" dirty="0" smtClean="0"/>
-              <a:t>does it solve.</a:t>
-            </a:r>
-            <a:endParaRPr lang="en-CA" dirty="0"/>
+          <a:bodyPr>
+            <a:normAutofit fontScale="92500"/>
+          </a:bodyPr>
+          <a:lstStyle/>
+          <a:p>
+            <a:r>
+              <a:rPr lang="en-CA" dirty="0" smtClean="0"/>
+              <a:t>Event </a:t>
+            </a:r>
+          </a:p>
+          <a:p>
+            <a:r>
+              <a:rPr lang="en-CA" dirty="0" smtClean="0"/>
+              <a:t>Promotional campaign </a:t>
+            </a:r>
+          </a:p>
+          <a:p>
+            <a:r>
+              <a:rPr lang="en-CA" dirty="0" smtClean="0"/>
+              <a:t>Sales discounts</a:t>
+            </a:r>
+          </a:p>
+          <a:p>
+            <a:r>
+              <a:rPr lang="en-CA" dirty="0" smtClean="0"/>
+              <a:t>Marketing promotion</a:t>
+            </a:r>
+          </a:p>
+          <a:p>
+            <a:r>
+              <a:rPr lang="en-CA" dirty="0" smtClean="0"/>
+              <a:t>Representative gets information from Customer</a:t>
+            </a:r>
+          </a:p>
+          <a:p>
+            <a:r>
+              <a:rPr lang="en-CA" dirty="0" smtClean="0"/>
+              <a:t>Email, </a:t>
+            </a:r>
+            <a:r>
+              <a:rPr lang="en-CA" dirty="0"/>
+              <a:t>P</a:t>
+            </a:r>
+            <a:r>
+              <a:rPr lang="en-CA" dirty="0" smtClean="0"/>
+              <a:t>hone Number</a:t>
+            </a:r>
+          </a:p>
+          <a:p>
+            <a:r>
+              <a:rPr lang="en-CA" dirty="0" smtClean="0"/>
+              <a:t>Follow up with marketing emails</a:t>
+            </a:r>
+          </a:p>
+          <a:p>
+            <a:r>
+              <a:rPr lang="en-CA" dirty="0" smtClean="0"/>
+              <a:t>System is tailored to company specific needs </a:t>
+            </a:r>
           </a:p>
         </p:txBody>
       </p:sp>
@@ -3728,6 +5077,13 @@
   <p:clrMapOvr>
     <a:masterClrMapping/>
   </p:clrMapOvr>
+  <p:timing>
+    <p:tnLst>
+      <p:par>
+        <p:cTn id="1" dur="indefinite" restart="never" nodeType="tmRoot"/>
+      </p:par>
+    </p:tnLst>
+  </p:timing>
 </p:sld>
 </file>
 
@@ -3763,6 +5119,10 @@
           <a:bodyPr/>
           <a:lstStyle/>
           <a:p>
+            <a:r>
+              <a:rPr lang="en-CA" dirty="0" smtClean="0"/>
+              <a:t>Existing Solution - Survey Monkey</a:t>
+            </a:r>
             <a:endParaRPr lang="en-CA" dirty="0"/>
           </a:p>
         </p:txBody>
@@ -3805,6 +5165,13 @@
   <p:clrMapOvr>
     <a:masterClrMapping/>
   </p:clrMapOvr>
+  <p:timing>
+    <p:tnLst>
+      <p:par>
+        <p:cTn id="1" dur="indefinite" restart="never" nodeType="tmRoot"/>
+      </p:par>
+    </p:tnLst>
+  </p:timing>
 </p:sld>
 </file>
 
@@ -3840,7 +5207,11 @@
           <a:bodyPr/>
           <a:lstStyle/>
           <a:p>
-            <a:endParaRPr lang="en-CA"/>
+            <a:r>
+              <a:rPr lang="en-CA" dirty="0" smtClean="0"/>
+              <a:t>Tailored Survey Solution </a:t>
+            </a:r>
+            <a:endParaRPr lang="en-CA" dirty="0"/>
           </a:p>
         </p:txBody>
       </p:sp>
@@ -3856,38 +5227,61 @@
         </p:nvSpPr>
         <p:spPr/>
         <p:txBody>
-          <a:bodyPr/>
-          <a:lstStyle/>
-          <a:p>
-            <a:r>
-              <a:rPr lang="en-CA" dirty="0" smtClean="0"/>
-              <a:t>2-3 slides: Your solution overview</a:t>
-            </a:r>
-          </a:p>
-          <a:p>
-            <a:r>
-              <a:rPr lang="en-CA" dirty="0" smtClean="0"/>
-              <a:t>- show your solution from high level, e.g.</a:t>
-            </a:r>
-          </a:p>
-          <a:p>
-            <a:r>
-              <a:rPr lang="en-CA" dirty="0" smtClean="0"/>
-              <a:t>screenshot(s), list main features from</a:t>
-            </a:r>
-          </a:p>
-          <a:p>
-            <a:r>
-              <a:rPr lang="en-CA" dirty="0" smtClean="0"/>
-              <a:t>user point of view, features, functionalities.</a:t>
-            </a:r>
-          </a:p>
-          <a:p>
-            <a:r>
-              <a:rPr lang="en-CA" dirty="0" smtClean="0"/>
-              <a:t>Say WHAT was implemented BUT NO DETAILS ON HOW.</a:t>
-            </a:r>
-            <a:endParaRPr lang="en-CA" dirty="0"/>
+          <a:bodyPr>
+            <a:normAutofit lnSpcReduction="10000"/>
+          </a:bodyPr>
+          <a:lstStyle/>
+          <a:p>
+            <a:r>
+              <a:rPr lang="en-CA" dirty="0" smtClean="0"/>
+              <a:t>Specific needs of that industry</a:t>
+            </a:r>
+          </a:p>
+          <a:p>
+            <a:r>
+              <a:rPr lang="en-CA" dirty="0"/>
+              <a:t>R</a:t>
+            </a:r>
+            <a:r>
+              <a:rPr lang="en-CA" dirty="0" smtClean="0"/>
+              <a:t>epresentative as main user of the application</a:t>
+            </a:r>
+          </a:p>
+          <a:p>
+            <a:r>
+              <a:rPr lang="en-CA" dirty="0" smtClean="0"/>
+              <a:t>Assists the customer during the survey</a:t>
+            </a:r>
+          </a:p>
+          <a:p>
+            <a:r>
+              <a:rPr lang="en-CA" dirty="0" smtClean="0"/>
+              <a:t>Main features:</a:t>
+            </a:r>
+          </a:p>
+          <a:p>
+            <a:r>
+              <a:rPr lang="en-CA" dirty="0" smtClean="0"/>
+              <a:t>1) Manage Customer Profile</a:t>
+            </a:r>
+          </a:p>
+          <a:p>
+            <a:r>
+              <a:rPr lang="en-CA" dirty="0" smtClean="0"/>
+              <a:t>2)Complete Survey</a:t>
+            </a:r>
+          </a:p>
+          <a:p>
+            <a:r>
+              <a:rPr lang="en-CA" dirty="0" smtClean="0"/>
+              <a:t>3)Manage Survey Template</a:t>
+            </a:r>
+          </a:p>
+          <a:p>
+            <a:r>
+              <a:rPr lang="en-CA" dirty="0" smtClean="0"/>
+              <a:t>4)Marketing Metrics  </a:t>
+            </a:r>
           </a:p>
         </p:txBody>
       </p:sp>
@@ -3901,6 +5295,13 @@
   <p:clrMapOvr>
     <a:masterClrMapping/>
   </p:clrMapOvr>
+  <p:timing>
+    <p:tnLst>
+      <p:par>
+        <p:cTn id="1" dur="indefinite" restart="never" nodeType="tmRoot"/>
+      </p:par>
+    </p:tnLst>
+  </p:timing>
 </p:sld>
 </file>
 
@@ -3936,7 +5337,11 @@
           <a:bodyPr/>
           <a:lstStyle/>
           <a:p>
-            <a:endParaRPr lang="en-CA"/>
+            <a:r>
+              <a:rPr lang="en-CA" dirty="0" smtClean="0"/>
+              <a:t>Our Solution - Usability</a:t>
+            </a:r>
+            <a:endParaRPr lang="en-CA" dirty="0"/>
           </a:p>
         </p:txBody>
       </p:sp>
@@ -4016,6 +5421,13 @@
   <p:clrMapOvr>
     <a:masterClrMapping/>
   </p:clrMapOvr>
+  <p:timing>
+    <p:tnLst>
+      <p:par>
+        <p:cTn id="1" dur="indefinite" restart="never" nodeType="tmRoot"/>
+      </p:par>
+    </p:tnLst>
+  </p:timing>
 </p:sld>
 </file>
 
@@ -4051,7 +5463,11 @@
           <a:bodyPr/>
           <a:lstStyle/>
           <a:p>
-            <a:endParaRPr lang="en-CA"/>
+            <a:r>
+              <a:rPr lang="en-CA" dirty="0" smtClean="0"/>
+              <a:t>Customize Display</a:t>
+            </a:r>
+            <a:endParaRPr lang="en-CA" dirty="0"/>
           </a:p>
         </p:txBody>
       </p:sp>
@@ -4131,6 +5547,13 @@
   <p:clrMapOvr>
     <a:masterClrMapping/>
   </p:clrMapOvr>
+  <p:timing>
+    <p:tnLst>
+      <p:par>
+        <p:cTn id="1" dur="indefinite" restart="never" nodeType="tmRoot"/>
+      </p:par>
+    </p:tnLst>
+  </p:timing>
 </p:sld>
 </file>
 
@@ -4166,7 +5589,11 @@
           <a:bodyPr/>
           <a:lstStyle/>
           <a:p>
-            <a:endParaRPr lang="en-CA"/>
+            <a:r>
+              <a:rPr lang="en-CA" dirty="0" smtClean="0"/>
+              <a:t>Challenges and Solutions:</a:t>
+            </a:r>
+            <a:endParaRPr lang="en-CA" dirty="0"/>
           </a:p>
         </p:txBody>
       </p:sp>
@@ -4182,34 +5609,52 @@
         </p:nvSpPr>
         <p:spPr/>
         <p:txBody>
-          <a:bodyPr/>
-          <a:lstStyle/>
-          <a:p>
-            <a:r>
-              <a:rPr lang="en-CA" dirty="0" smtClean="0"/>
-              <a:t>4-6 slides: Challenges and solutions</a:t>
-            </a:r>
-          </a:p>
-          <a:p>
-            <a:r>
-              <a:rPr lang="en-CA" dirty="0" smtClean="0"/>
-              <a:t>- talk about each of the technologies you used</a:t>
-            </a:r>
-          </a:p>
-          <a:p>
-            <a:r>
-              <a:rPr lang="en-CA" dirty="0" smtClean="0"/>
-              <a:t>and each major problem you had to solve on your own</a:t>
-            </a:r>
-          </a:p>
-          <a:p>
-            <a:r>
-              <a:rPr lang="en-CA" dirty="0" smtClean="0"/>
-              <a:t>to make the solution work.</a:t>
-            </a:r>
-          </a:p>
-          <a:p>
-            <a:endParaRPr lang="en-CA" dirty="0"/>
+          <a:bodyPr>
+            <a:normAutofit/>
+          </a:bodyPr>
+          <a:lstStyle/>
+          <a:p>
+            <a:r>
+              <a:rPr lang="en-CA" dirty="0" smtClean="0"/>
+              <a:t>Database design</a:t>
+            </a:r>
+          </a:p>
+          <a:p>
+            <a:r>
+              <a:rPr lang="en-CA" dirty="0" smtClean="0"/>
+              <a:t>Interface for desktop and mobile </a:t>
+            </a:r>
+          </a:p>
+          <a:p>
+            <a:r>
+              <a:rPr lang="en-CA" dirty="0" err="1" smtClean="0"/>
+              <a:t>Php</a:t>
+            </a:r>
+            <a:r>
+              <a:rPr lang="en-CA" dirty="0" smtClean="0"/>
+              <a:t> , Composer , Slim , Twig</a:t>
+            </a:r>
+          </a:p>
+          <a:p>
+            <a:r>
+              <a:rPr lang="en-CA" dirty="0" err="1" smtClean="0"/>
+              <a:t>MeekroDB</a:t>
+            </a:r>
+            <a:r>
+              <a:rPr lang="en-CA" dirty="0" smtClean="0"/>
+              <a:t> ,  Session </a:t>
+            </a:r>
+            <a:r>
+              <a:rPr lang="en-CA" dirty="0" err="1" smtClean="0"/>
+              <a:t>superGlobals</a:t>
+            </a:r>
+            <a:endParaRPr lang="en-CA" dirty="0" smtClean="0"/>
+          </a:p>
+          <a:p>
+            <a:r>
+              <a:rPr lang="en-CA" dirty="0" smtClean="0"/>
+              <a:t>Multidimensional Arrays PHP</a:t>
+            </a:r>
           </a:p>
         </p:txBody>
       </p:sp>
@@ -4223,6 +5668,13 @@
   <p:clrMapOvr>
     <a:masterClrMapping/>
   </p:clrMapOvr>
+  <p:timing>
+    <p:tnLst>
+      <p:par>
+        <p:cTn id="1" dur="indefinite" restart="never" nodeType="tmRoot"/>
+      </p:par>
+    </p:tnLst>
+  </p:timing>
 </p:sld>
 </file>
 
@@ -4355,6 +5807,13 @@
   <p:clrMapOvr>
     <a:masterClrMapping/>
   </p:clrMapOvr>
+  <p:timing>
+    <p:tnLst>
+      <p:par>
+        <p:cTn id="1" dur="indefinite" restart="never" nodeType="tmRoot"/>
+      </p:par>
+    </p:tnLst>
+  </p:timing>
 </p:sld>
 </file>
 
@@ -4387,42 +5846,106 @@
         </p:nvSpPr>
         <p:spPr/>
         <p:txBody>
-          <a:bodyPr/>
-          <a:lstStyle/>
-          <a:p>
-            <a:endParaRPr lang="en-CA"/>
-          </a:p>
-        </p:txBody>
-      </p:sp>
-      <p:sp>
-        <p:nvSpPr>
-          <p:cNvPr id="3" name="Content Placeholder 2"/>
-          <p:cNvSpPr>
-            <a:spLocks noGrp="1"/>
-          </p:cNvSpPr>
+          <a:bodyPr>
+            <a:normAutofit fontScale="90000"/>
+          </a:bodyPr>
+          <a:lstStyle/>
+          <a:p>
+            <a:r>
+              <a:rPr lang="en-CA" dirty="0" err="1" smtClean="0"/>
+              <a:t>Php</a:t>
+            </a:r>
+            <a:r>
+              <a:rPr lang="en-CA" dirty="0" smtClean="0"/>
+              <a:t> Array Merge for Html Table display </a:t>
+            </a:r>
+            <a:endParaRPr lang="en-CA" dirty="0"/>
+          </a:p>
+        </p:txBody>
+      </p:sp>
+      <p:pic>
+        <p:nvPicPr>
+          <p:cNvPr id="1026" name="Picture 2"/>
+          <p:cNvPicPr>
+            <a:picLocks noGrp="1" noChangeAspect="1" noChangeArrowheads="1"/>
+          </p:cNvPicPr>
           <p:nvPr>
             <p:ph idx="1"/>
           </p:nvPr>
-        </p:nvSpPr>
-        <p:spPr/>
-        <p:txBody>
-          <a:bodyPr/>
-          <a:lstStyle/>
-          <a:p>
-            <a:endParaRPr lang="en-CA" dirty="0"/>
-          </a:p>
-        </p:txBody>
-      </p:sp>
+        </p:nvPicPr>
+        <p:blipFill>
+          <a:blip r:embed="rId2">
+            <a:extLst>
+              <a:ext uri="{28A0092B-C50C-407E-A947-70E740481C1C}">
+                <a14:useLocalDpi xmlns:a14="http://schemas.microsoft.com/office/drawing/2010/main" val="0"/>
+              </a:ext>
+            </a:extLst>
+          </a:blip>
+          <a:srcRect/>
+          <a:stretch>
+            <a:fillRect/>
+          </a:stretch>
+        </p:blipFill>
+        <p:spPr bwMode="auto">
+          <a:xfrm>
+            <a:off x="1236145" y="1600200"/>
+            <a:ext cx="6671709" cy="4525963"/>
+          </a:xfrm>
+          <a:prstGeom prst="rect">
+            <a:avLst/>
+          </a:prstGeom>
+          <a:noFill/>
+          <a:ln>
+            <a:noFill/>
+          </a:ln>
+          <a:effectLst/>
+          <a:extLst>
+            <a:ext uri="{909E8E84-426E-40DD-AFC4-6F175D3DCCD1}">
+              <a14:hiddenFill xmlns:a14="http://schemas.microsoft.com/office/drawing/2010/main">
+                <a:solidFill>
+                  <a:schemeClr val="accent1"/>
+                </a:solidFill>
+              </a14:hiddenFill>
+            </a:ext>
+            <a:ext uri="{91240B29-F687-4F45-9708-019B960494DF}">
+              <a14:hiddenLine xmlns:a14="http://schemas.microsoft.com/office/drawing/2010/main" w="9525">
+                <a:solidFill>
+                  <a:schemeClr val="tx1"/>
+                </a:solidFill>
+                <a:miter lim="800000"/>
+                <a:headEnd/>
+                <a:tailEnd/>
+              </a14:hiddenLine>
+            </a:ext>
+            <a:ext uri="{AF507438-7753-43E0-B8FC-AC1667EBCBE1}">
+              <a14:hiddenEffects xmlns:a14="http://schemas.microsoft.com/office/drawing/2010/main">
+                <a:effectLst>
+                  <a:outerShdw dist="35921" dir="2700000" algn="ctr" rotWithShape="0">
+                    <a:schemeClr val="bg2"/>
+                  </a:outerShdw>
+                </a:effectLst>
+              </a14:hiddenEffects>
+            </a:ext>
+          </a:extLst>
+        </p:spPr>
+      </p:pic>
     </p:spTree>
     <p:extLst>
       <p:ext uri="{BB962C8B-B14F-4D97-AF65-F5344CB8AC3E}">
-        <p14:creationId xmlns:p14="http://schemas.microsoft.com/office/powerpoint/2010/main" val="3232346678"/>
+        <p14:creationId xmlns:p14="http://schemas.microsoft.com/office/powerpoint/2010/main" val="1812592414"/>
       </p:ext>
     </p:extLst>
   </p:cSld>
   <p:clrMapOvr>
     <a:masterClrMapping/>
   </p:clrMapOvr>
+  <p:timing>
+    <p:tnLst>
+      <p:par>
+        <p:cTn id="1" dur="indefinite" restart="never" nodeType="tmRoot"/>
+      </p:par>
+    </p:tnLst>
+  </p:timing>
 </p:sld>
 </file>
 
